--- a/PMD_Hackathon_3_BAM_Berlin.pptx
+++ b/PMD_Hackathon_3_BAM_Berlin.pptx
@@ -207,7 +207,7 @@
           <a:p>
             <a:fld id="{FE6807D8-67B7-4094-9F0F-6D6F89E7A7CA}" type="datetimeFigureOut">
               <a:rPr lang="de-DE" smtClean="0"/>
-              <a:t>13.10.2025</a:t>
+              <a:t>14.10.2025</a:t>
             </a:fld>
             <a:endParaRPr lang="de-DE"/>
           </a:p>
@@ -9865,71 +9865,6 @@
           </a:prstGeom>
         </p:spPr>
       </p:pic>
-      <p:pic>
-        <p:nvPicPr>
-          <p:cNvPr id="9" name="Grafik 8">
-            <a:extLst>
-              <a:ext uri="{FF2B5EF4-FFF2-40B4-BE49-F238E27FC236}">
-                <a16:creationId xmlns:a16="http://schemas.microsoft.com/office/drawing/2014/main" id="{078E5456-2FC9-3076-F315-597559D300EA}"/>
-              </a:ext>
-            </a:extLst>
-          </p:cNvPr>
-          <p:cNvPicPr>
-            <a:picLocks noChangeAspect="1"/>
-          </p:cNvPicPr>
-          <p:nvPr/>
-        </p:nvPicPr>
-        <p:blipFill>
-          <a:blip r:embed="rId7"/>
-          <a:stretch>
-            <a:fillRect/>
-          </a:stretch>
-        </p:blipFill>
-        <p:spPr>
-          <a:xfrm>
-            <a:off x="3205113" y="3589746"/>
-            <a:ext cx="1849904" cy="1783836"/>
-          </a:xfrm>
-          <a:prstGeom prst="rect">
-            <a:avLst/>
-          </a:prstGeom>
-        </p:spPr>
-      </p:pic>
-      <p:sp>
-        <p:nvSpPr>
-          <p:cNvPr id="10" name="Textfeld 9">
-            <a:extLst>
-              <a:ext uri="{FF2B5EF4-FFF2-40B4-BE49-F238E27FC236}">
-                <a16:creationId xmlns:a16="http://schemas.microsoft.com/office/drawing/2014/main" id="{D57D5A67-B8D9-1CB0-1854-6A5B1FBE2AE7}"/>
-              </a:ext>
-            </a:extLst>
-          </p:cNvPr>
-          <p:cNvSpPr txBox="1"/>
-          <p:nvPr/>
-        </p:nvSpPr>
-        <p:spPr>
-          <a:xfrm rot="16200000">
-            <a:off x="2238931" y="4322465"/>
-            <a:ext cx="1640568" cy="461665"/>
-          </a:xfrm>
-          <a:prstGeom prst="rect">
-            <a:avLst/>
-          </a:prstGeom>
-          <a:noFill/>
-        </p:spPr>
-        <p:txBody>
-          <a:bodyPr wrap="square" rtlCol="0">
-            <a:spAutoFit/>
-          </a:bodyPr>
-          <a:lstStyle/>
-          <a:p>
-            <a:r>
-              <a:rPr lang="de-DE" sz="2400" b="1" dirty="0"/>
-              <a:t>BAM - Wifi</a:t>
-            </a:r>
-          </a:p>
-        </p:txBody>
-      </p:sp>
     </p:spTree>
     <p:extLst>
       <p:ext uri="{BB962C8B-B14F-4D97-AF65-F5344CB8AC3E}">
@@ -12424,7 +12359,7 @@
         </p:nvSpPr>
         <p:spPr>
           <a:xfrm>
-            <a:off x="474483" y="1139015"/>
+            <a:off x="474483" y="1323681"/>
             <a:ext cx="6094428" cy="369332"/>
           </a:xfrm>
           <a:prstGeom prst="rect">
@@ -12502,43 +12437,6 @@
           <a:xfrm>
             <a:off x="475533" y="1786015"/>
             <a:ext cx="7140870" cy="4454054"/>
-          </a:xfrm>
-          <a:prstGeom prst="rect">
-            <a:avLst/>
-          </a:prstGeom>
-        </p:spPr>
-      </p:pic>
-      <p:pic>
-        <p:nvPicPr>
-          <p:cNvPr id="12" name="Grafik 11">
-            <a:hlinkClick r:id="rId8"/>
-            <a:extLst>
-              <a:ext uri="{FF2B5EF4-FFF2-40B4-BE49-F238E27FC236}">
-                <a16:creationId xmlns:a16="http://schemas.microsoft.com/office/drawing/2014/main" id="{FF07D7A7-C809-643F-6593-D8D3D3178C65}"/>
-              </a:ext>
-            </a:extLst>
-          </p:cNvPr>
-          <p:cNvPicPr>
-            <a:picLocks noChangeAspect="1"/>
-          </p:cNvPicPr>
-          <p:nvPr/>
-        </p:nvPicPr>
-        <p:blipFill>
-          <a:blip r:embed="rId9" cstate="print">
-            <a:extLst>
-              <a:ext uri="{28A0092B-C50C-407E-A947-70E740481C1C}">
-                <a14:useLocalDpi xmlns:a14="http://schemas.microsoft.com/office/drawing/2010/main" val="0"/>
-              </a:ext>
-            </a:extLst>
-          </a:blip>
-          <a:stretch>
-            <a:fillRect/>
-          </a:stretch>
-        </p:blipFill>
-        <p:spPr>
-          <a:xfrm>
-            <a:off x="9590955" y="4442807"/>
-            <a:ext cx="1392384" cy="1392384"/>
           </a:xfrm>
           <a:prstGeom prst="rect">
             <a:avLst/>
@@ -13042,74 +12940,6 @@
           </a:p>
         </p:txBody>
       </p:sp>
-      <p:sp>
-        <p:nvSpPr>
-          <p:cNvPr id="5" name="Textfeld 4">
-            <a:extLst>
-              <a:ext uri="{FF2B5EF4-FFF2-40B4-BE49-F238E27FC236}">
-                <a16:creationId xmlns:a16="http://schemas.microsoft.com/office/drawing/2014/main" id="{9569B4C3-0779-914A-A379-065E5D6852EE}"/>
-              </a:ext>
-            </a:extLst>
-          </p:cNvPr>
-          <p:cNvSpPr txBox="1"/>
-          <p:nvPr/>
-        </p:nvSpPr>
-        <p:spPr>
-          <a:xfrm>
-            <a:off x="6328552" y="5928402"/>
-            <a:ext cx="4842608" cy="338554"/>
-          </a:xfrm>
-          <a:prstGeom prst="rect">
-            <a:avLst/>
-          </a:prstGeom>
-          <a:noFill/>
-        </p:spPr>
-        <p:txBody>
-          <a:bodyPr wrap="none" rtlCol="0">
-            <a:spAutoFit/>
-          </a:bodyPr>
-          <a:lstStyle/>
-          <a:p>
-            <a:r>
-              <a:rPr lang="en-US" sz="1600" baseline="30000" dirty="0">
-                <a:effectLst/>
-                <a:latin typeface="Verdana" panose="020B0604030504040204" pitchFamily="34" charset="0"/>
-                <a:ea typeface="Calibri" panose="020F0502020204030204" pitchFamily="34" charset="0"/>
-                <a:cs typeface="Times New Roman" panose="02020603050405020304" pitchFamily="18" charset="0"/>
-              </a:rPr>
-              <a:t>† </a:t>
-            </a:r>
-            <a:r>
-              <a:rPr lang="en-US" sz="1600" dirty="0">
-                <a:effectLst/>
-                <a:latin typeface="Verdana" panose="020B0604030504040204" pitchFamily="34" charset="0"/>
-                <a:ea typeface="Calibri" panose="020F0502020204030204" pitchFamily="34" charset="0"/>
-                <a:cs typeface="Times New Roman" panose="02020603050405020304" pitchFamily="18" charset="0"/>
-              </a:rPr>
-              <a:t>Asami XI, </a:t>
-            </a:r>
-            <a:r>
-              <a:rPr lang="en-US" sz="1600" dirty="0" err="1">
-                <a:effectLst/>
-                <a:latin typeface="Verdana" panose="020B0604030504040204" pitchFamily="34" charset="0"/>
-                <a:ea typeface="Calibri" panose="020F0502020204030204" pitchFamily="34" charset="0"/>
-                <a:cs typeface="Times New Roman" panose="02020603050405020304" pitchFamily="18" charset="0"/>
-              </a:rPr>
-              <a:t>Birkbuschstraße</a:t>
-            </a:r>
-            <a:r>
-              <a:rPr lang="en-US" sz="1600" dirty="0">
-                <a:effectLst/>
-                <a:latin typeface="Verdana" panose="020B0604030504040204" pitchFamily="34" charset="0"/>
-                <a:ea typeface="Calibri" panose="020F0502020204030204" pitchFamily="34" charset="0"/>
-                <a:cs typeface="Times New Roman" panose="02020603050405020304" pitchFamily="18" charset="0"/>
-              </a:rPr>
-              <a:t> 11, 12167 Berlin</a:t>
-            </a:r>
-            <a:endParaRPr lang="de-DE" sz="1600" dirty="0"/>
-          </a:p>
-        </p:txBody>
-      </p:sp>
       <p:graphicFrame>
         <p:nvGraphicFramePr>
           <p:cNvPr id="6" name="Tabelle 5">
@@ -13125,14 +12955,14 @@
           <p:nvPr>
             <p:extLst>
               <p:ext uri="{D42A27DB-BD31-4B8C-83A1-F6EECF244321}">
-                <p14:modId xmlns:p14="http://schemas.microsoft.com/office/powerpoint/2010/main" val="2447089004"/>
+                <p14:modId xmlns:p14="http://schemas.microsoft.com/office/powerpoint/2010/main" val="2113040824"/>
               </p:ext>
             </p:extLst>
           </p:nvPr>
         </p:nvGraphicFramePr>
         <p:xfrm>
           <a:off x="1900976" y="1039808"/>
-          <a:ext cx="9169327" cy="4787900"/>
+          <a:ext cx="9169327" cy="5396230"/>
         </p:xfrm>
         <a:graphic>
           <a:graphicData uri="http://schemas.openxmlformats.org/drawingml/2006/table">
@@ -13171,12 +13001,12 @@
                         </a:spcAft>
                       </a:pPr>
                       <a:r>
-                        <a:rPr lang="de-DE" sz="1800" kern="100">
+                        <a:rPr lang="de-DE" sz="1800" kern="100" dirty="0">
                           <a:effectLst/>
                         </a:rPr>
                         <a:t>9:00 AM</a:t>
                       </a:r>
-                      <a:endParaRPr lang="de-DE" sz="2400" kern="100">
+                      <a:endParaRPr lang="de-DE" sz="2400" kern="100" dirty="0">
                         <a:effectLst/>
                         <a:latin typeface="Calibri" panose="020F0502020204030204" pitchFamily="34" charset="0"/>
                         <a:ea typeface="Calibri" panose="020F0502020204030204" pitchFamily="34" charset="0"/>
@@ -13200,12 +13030,12 @@
                         </a:spcAft>
                       </a:pPr>
                       <a:r>
-                        <a:rPr lang="de-DE" sz="1800" kern="100">
+                        <a:rPr lang="de-DE" sz="1800" kern="100" dirty="0">
                           <a:effectLst/>
                         </a:rPr>
-                        <a:t>Parallel Group Sessions</a:t>
+                        <a:t>Welcome</a:t>
                       </a:r>
-                      <a:endParaRPr lang="de-DE" sz="2400" kern="100">
+                      <a:endParaRPr lang="de-DE" sz="2400" kern="100" dirty="0">
                         <a:effectLst/>
                         <a:latin typeface="Calibri" panose="020F0502020204030204" pitchFamily="34" charset="0"/>
                         <a:ea typeface="Calibri" panose="020F0502020204030204" pitchFamily="34" charset="0"/>
@@ -13227,6 +13057,71 @@
                     <a:bodyPr/>
                     <a:lstStyle/>
                     <a:p>
+                      <a:pPr marL="0" algn="l" defTabSz="914400" rtl="0" eaLnBrk="1" latinLnBrk="0" hangingPunct="1">
+                        <a:lnSpc>
+                          <a:spcPct val="115000"/>
+                        </a:lnSpc>
+                        <a:spcAft>
+                          <a:spcPts val="1000"/>
+                        </a:spcAft>
+                      </a:pPr>
+                      <a:r>
+                        <a:rPr lang="de-DE" sz="1800" b="1" kern="100" dirty="0">
+                          <a:solidFill>
+                            <a:schemeClr val="tx1"/>
+                          </a:solidFill>
+                          <a:effectLst/>
+                          <a:latin typeface="+mn-lt"/>
+                          <a:ea typeface="+mn-ea"/>
+                          <a:cs typeface="+mn-cs"/>
+                        </a:rPr>
+                        <a:t>9:30 AM</a:t>
+                      </a:r>
+                    </a:p>
+                  </a:txBody>
+                  <a:tcPr marL="68580" marR="68580" marT="0" marB="0"/>
+                </a:tc>
+                <a:tc>
+                  <a:txBody>
+                    <a:bodyPr/>
+                    <a:lstStyle/>
+                    <a:p>
+                      <a:pPr marL="0" algn="l" defTabSz="914400" rtl="0" eaLnBrk="1" latinLnBrk="0" hangingPunct="1">
+                        <a:lnSpc>
+                          <a:spcPct val="115000"/>
+                        </a:lnSpc>
+                        <a:spcAft>
+                          <a:spcPts val="1000"/>
+                        </a:spcAft>
+                      </a:pPr>
+                      <a:r>
+                        <a:rPr lang="de-DE" sz="1800" b="1" kern="100" dirty="0">
+                          <a:solidFill>
+                            <a:schemeClr val="tx1"/>
+                          </a:solidFill>
+                          <a:effectLst/>
+                          <a:latin typeface="+mn-lt"/>
+                          <a:ea typeface="+mn-ea"/>
+                          <a:cs typeface="+mn-cs"/>
+                        </a:rPr>
+                        <a:t>Parallel Group Sessions</a:t>
+                      </a:r>
+                    </a:p>
+                  </a:txBody>
+                  <a:tcPr marL="68580" marR="68580" marT="0" marB="0"/>
+                </a:tc>
+                <a:extLst>
+                  <a:ext uri="{0D108BD9-81ED-4DB2-BD59-A6C34878D82A}">
+                    <a16:rowId xmlns:a16="http://schemas.microsoft.com/office/drawing/2014/main" val="1352790551"/>
+                  </a:ext>
+                </a:extLst>
+              </a:tr>
+              <a:tr h="0">
+                <a:tc>
+                  <a:txBody>
+                    <a:bodyPr/>
+                    <a:lstStyle/>
+                    <a:p>
                       <a:pPr>
                         <a:lnSpc>
                           <a:spcPct val="115000"/>
@@ -13236,12 +13131,19 @@
                         </a:spcAft>
                       </a:pPr>
                       <a:r>
-                        <a:rPr lang="de-DE" sz="1800" kern="100">
+                        <a:rPr lang="de-DE" sz="1800" kern="100" dirty="0">
                           <a:effectLst/>
                         </a:rPr>
                         <a:t> </a:t>
                       </a:r>
-                      <a:endParaRPr lang="de-DE" sz="2400" kern="100">
+                      <a:r>
+                        <a:rPr lang="en-US" sz="1800" kern="100" baseline="0" dirty="0">
+                          <a:effectLst/>
+                          <a:sym typeface="Wingdings" panose="05000000000000000000" pitchFamily="2" charset="2"/>
+                        </a:rPr>
+                        <a:t>right corner </a:t>
+                      </a:r>
+                      <a:endParaRPr lang="de-DE" sz="2400" kern="100" dirty="0">
                         <a:effectLst/>
                         <a:latin typeface="Calibri" panose="020F0502020204030204" pitchFamily="34" charset="0"/>
                         <a:ea typeface="Calibri" panose="020F0502020204030204" pitchFamily="34" charset="0"/>
@@ -13265,18 +13167,12 @@
                         </a:spcAft>
                       </a:pPr>
                       <a:r>
-                        <a:rPr lang="en-US" sz="1800" kern="100">
+                        <a:rPr lang="en-US" sz="1800" kern="100" dirty="0">
                           <a:effectLst/>
                         </a:rPr>
                         <a:t>Topic 1: Modelling of Materials on different scales</a:t>
                       </a:r>
-                      <a:r>
-                        <a:rPr lang="en-US" sz="1800" kern="100" baseline="30000">
-                          <a:effectLst/>
-                        </a:rPr>
-                        <a:t>1</a:t>
-                      </a:r>
-                      <a:endParaRPr lang="de-DE" sz="2400" kern="100">
+                      <a:endParaRPr lang="de-DE" sz="2400" kern="100" baseline="0" dirty="0">
                         <a:effectLst/>
                         <a:latin typeface="Calibri" panose="020F0502020204030204" pitchFamily="34" charset="0"/>
                         <a:ea typeface="Calibri" panose="020F0502020204030204" pitchFamily="34" charset="0"/>
@@ -13307,12 +13203,33 @@
                         </a:spcAft>
                       </a:pPr>
                       <a:r>
-                        <a:rPr lang="en-US" sz="1800" kern="100">
+                        <a:rPr lang="en-US" sz="1800" kern="100" dirty="0">
                           <a:effectLst/>
                         </a:rPr>
                         <a:t> </a:t>
                       </a:r>
-                      <a:endParaRPr lang="de-DE" sz="2400" kern="100">
+                      <a:r>
+                        <a:rPr lang="de-DE" sz="1800" kern="100" baseline="0" dirty="0" err="1">
+                          <a:effectLst/>
+                          <a:sym typeface="Wingdings" panose="05000000000000000000" pitchFamily="2" charset="2"/>
+                        </a:rPr>
+                        <a:t>plenum</a:t>
+                      </a:r>
+                      <a:r>
+                        <a:rPr lang="de-DE" sz="1800" kern="100" baseline="0" dirty="0">
+                          <a:effectLst/>
+                          <a:sym typeface="Wingdings" panose="05000000000000000000" pitchFamily="2" charset="2"/>
+                        </a:rPr>
+                        <a:t> </a:t>
+                      </a:r>
+                      <a:r>
+                        <a:rPr lang="de-DE" sz="2000" kern="100" baseline="0" dirty="0">
+                          <a:effectLst/>
+                          <a:sym typeface="Wingdings" panose="05000000000000000000" pitchFamily="2" charset="2"/>
+                        </a:rPr>
+                        <a:t>·</a:t>
+                      </a:r>
+                      <a:endParaRPr lang="de-DE" sz="2400" kern="100" dirty="0">
                         <a:effectLst/>
                         <a:latin typeface="Calibri" panose="020F0502020204030204" pitchFamily="34" charset="0"/>
                         <a:ea typeface="Calibri" panose="020F0502020204030204" pitchFamily="34" charset="0"/>
@@ -13336,18 +13253,36 @@
                         </a:spcAft>
                       </a:pPr>
                       <a:r>
-                        <a:rPr lang="de-DE" sz="1800" kern="100">
+                        <a:rPr lang="de-DE" sz="1800" kern="100" dirty="0">
                           <a:effectLst/>
                         </a:rPr>
-                        <a:t>Topic 2: Modelling of Processes</a:t>
+                        <a:t>Topic 2: Modelling </a:t>
                       </a:r>
                       <a:r>
-                        <a:rPr lang="de-DE" sz="1800" kern="100" baseline="30000">
+                        <a:rPr lang="de-DE" sz="1800" kern="100" dirty="0" err="1">
                           <a:effectLst/>
                         </a:rPr>
-                        <a:t>2</a:t>
+                        <a:t>of</a:t>
                       </a:r>
-                      <a:endParaRPr lang="de-DE" sz="2400" kern="100">
+                      <a:r>
+                        <a:rPr lang="de-DE" sz="1800" kern="100" dirty="0">
+                          <a:effectLst/>
+                        </a:rPr>
+                        <a:t> </a:t>
+                      </a:r>
+                      <a:r>
+                        <a:rPr lang="de-DE" sz="1800" kern="100" dirty="0" err="1">
+                          <a:effectLst/>
+                        </a:rPr>
+                        <a:t>Processes</a:t>
+                      </a:r>
+                      <a:r>
+                        <a:rPr lang="de-DE" sz="1800" kern="100" dirty="0">
+                          <a:effectLst/>
+                        </a:rPr>
+                        <a:t> </a:t>
+                      </a:r>
+                      <a:endParaRPr lang="de-DE" sz="2400" kern="100" baseline="0" dirty="0">
                         <a:effectLst/>
                         <a:latin typeface="Calibri" panose="020F0502020204030204" pitchFamily="34" charset="0"/>
                         <a:ea typeface="Calibri" panose="020F0502020204030204" pitchFamily="34" charset="0"/>
@@ -13378,12 +13313,26 @@
                         </a:spcAft>
                       </a:pPr>
                       <a:r>
-                        <a:rPr lang="de-DE" sz="1800" kern="100">
+                        <a:rPr lang="de-DE" sz="1800" kern="100" dirty="0">
                           <a:effectLst/>
                         </a:rPr>
                         <a:t> </a:t>
                       </a:r>
-                      <a:endParaRPr lang="de-DE" sz="2400" kern="100">
+                      <a:r>
+                        <a:rPr lang="de-DE" sz="1800" kern="100" dirty="0" err="1">
+                          <a:effectLst/>
+                          <a:sym typeface="Wingdings" panose="05000000000000000000" pitchFamily="2" charset="2"/>
+                        </a:rPr>
+                        <a:t>upstairs</a:t>
+                      </a:r>
+                      <a:r>
+                        <a:rPr lang="de-DE" sz="1800" kern="100" dirty="0">
+                          <a:effectLst/>
+                          <a:sym typeface="Wingdings" panose="05000000000000000000" pitchFamily="2" charset="2"/>
+                        </a:rPr>
+                        <a:t> ↑</a:t>
+                      </a:r>
+                      <a:endParaRPr lang="de-DE" sz="2400" kern="100" dirty="0">
                         <a:effectLst/>
                         <a:latin typeface="Calibri" panose="020F0502020204030204" pitchFamily="34" charset="0"/>
                         <a:ea typeface="Calibri" panose="020F0502020204030204" pitchFamily="34" charset="0"/>
@@ -13407,18 +13356,36 @@
                         </a:spcAft>
                       </a:pPr>
                       <a:r>
-                        <a:rPr lang="de-DE" sz="1800" kern="100">
+                        <a:rPr lang="de-DE" sz="1800" kern="100" dirty="0">
                           <a:effectLst/>
                         </a:rPr>
-                        <a:t>Topic 3: MSE Glossary / Taxonomy</a:t>
+                        <a:t>Topic 3: MSE </a:t>
                       </a:r>
                       <a:r>
-                        <a:rPr lang="de-DE" sz="1800" kern="100" baseline="30000">
+                        <a:rPr lang="de-DE" sz="1800" kern="100" dirty="0" err="1">
                           <a:effectLst/>
                         </a:rPr>
-                        <a:t>3</a:t>
+                        <a:t>Glossary</a:t>
                       </a:r>
-                      <a:endParaRPr lang="de-DE" sz="2400" kern="100">
+                      <a:r>
+                        <a:rPr lang="de-DE" sz="1800" kern="100" dirty="0">
+                          <a:effectLst/>
+                        </a:rPr>
+                        <a:t> / </a:t>
+                      </a:r>
+                      <a:r>
+                        <a:rPr lang="de-DE" sz="1800" kern="100" dirty="0" err="1">
+                          <a:effectLst/>
+                        </a:rPr>
+                        <a:t>Taxonomy</a:t>
+                      </a:r>
+                      <a:r>
+                        <a:rPr lang="de-DE" sz="1800" kern="100" dirty="0">
+                          <a:effectLst/>
+                        </a:rPr>
+                        <a:t> + Use Case</a:t>
+                      </a:r>
+                      <a:endParaRPr lang="de-DE" sz="2400" kern="100" dirty="0">
                         <a:effectLst/>
                         <a:latin typeface="Calibri" panose="020F0502020204030204" pitchFamily="34" charset="0"/>
                         <a:ea typeface="Calibri" panose="020F0502020204030204" pitchFamily="34" charset="0"/>
@@ -13449,12 +13416,46 @@
                         </a:spcAft>
                       </a:pPr>
                       <a:r>
-                        <a:rPr lang="de-DE" sz="1800" kern="100">
+                        <a:rPr lang="de-DE" sz="1800" kern="100" dirty="0" err="1">
                           <a:effectLst/>
+                          <a:latin typeface="Calibri" panose="020F0502020204030204" pitchFamily="34" charset="0"/>
+                          <a:ea typeface="Calibri" panose="020F0502020204030204" pitchFamily="34" charset="0"/>
+                          <a:cs typeface="Times New Roman" panose="02020603050405020304" pitchFamily="18" charset="0"/>
+                          <a:sym typeface="Wingdings" panose="05000000000000000000" pitchFamily="2" charset="2"/>
                         </a:rPr>
-                        <a:t> </a:t>
+                        <a:t>left</a:t>
                       </a:r>
-                      <a:endParaRPr lang="de-DE" sz="2400" kern="100">
+                      <a:r>
+                        <a:rPr lang="de-DE" sz="1800" kern="100" dirty="0">
+                          <a:effectLst/>
+                          <a:latin typeface="Calibri" panose="020F0502020204030204" pitchFamily="34" charset="0"/>
+                          <a:ea typeface="Calibri" panose="020F0502020204030204" pitchFamily="34" charset="0"/>
+                          <a:cs typeface="Times New Roman" panose="02020603050405020304" pitchFamily="18" charset="0"/>
+                          <a:sym typeface="Wingdings" panose="05000000000000000000" pitchFamily="2" charset="2"/>
+                        </a:rPr>
+                        <a:t> </a:t>
+                      </a:r>
+                      <a:r>
+                        <a:rPr lang="de-DE" sz="1800" kern="100" dirty="0" err="1">
+                          <a:effectLst/>
+                          <a:latin typeface="Calibri" panose="020F0502020204030204" pitchFamily="34" charset="0"/>
+                          <a:ea typeface="Calibri" panose="020F0502020204030204" pitchFamily="34" charset="0"/>
+                          <a:cs typeface="Times New Roman" panose="02020603050405020304" pitchFamily="18" charset="0"/>
+                          <a:sym typeface="Wingdings" panose="05000000000000000000" pitchFamily="2" charset="2"/>
+                        </a:rPr>
+                        <a:t>corner</a:t>
+                      </a:r>
+                      <a:r>
+                        <a:rPr lang="de-DE" sz="1800" kern="100" dirty="0">
+                          <a:effectLst/>
+                          <a:latin typeface="Calibri" panose="020F0502020204030204" pitchFamily="34" charset="0"/>
+                          <a:ea typeface="Calibri" panose="020F0502020204030204" pitchFamily="34" charset="0"/>
+                          <a:cs typeface="Times New Roman" panose="02020603050405020304" pitchFamily="18" charset="0"/>
+                          <a:sym typeface="Wingdings" panose="05000000000000000000" pitchFamily="2" charset="2"/>
+                        </a:rPr>
+                        <a:t> ←</a:t>
+                      </a:r>
+                      <a:endParaRPr lang="de-DE" sz="1800" kern="100" dirty="0">
                         <a:effectLst/>
                         <a:latin typeface="Calibri" panose="020F0502020204030204" pitchFamily="34" charset="0"/>
                         <a:ea typeface="Calibri" panose="020F0502020204030204" pitchFamily="34" charset="0"/>
@@ -13478,18 +13479,24 @@
                         </a:spcAft>
                       </a:pPr>
                       <a:r>
-                        <a:rPr lang="en-US" sz="1800" kern="100">
+                        <a:rPr lang="de-DE" sz="1800" kern="100" dirty="0">
                           <a:effectLst/>
+                          <a:latin typeface="Calibri" panose="020F0502020204030204" pitchFamily="34" charset="0"/>
+                          <a:ea typeface="Calibri" panose="020F0502020204030204" pitchFamily="34" charset="0"/>
+                          <a:cs typeface="Times New Roman" panose="02020603050405020304" pitchFamily="18" charset="0"/>
                         </a:rPr>
-                        <a:t>Topic 4: Use Case</a:t>
+                        <a:t>Topic 4: </a:t>
                       </a:r>
                       <a:r>
-                        <a:rPr lang="en-US" sz="1800" kern="100" baseline="30000">
+                        <a:rPr lang="de-DE" sz="1800" kern="100" dirty="0" err="1">
                           <a:effectLst/>
+                          <a:latin typeface="Calibri" panose="020F0502020204030204" pitchFamily="34" charset="0"/>
+                          <a:ea typeface="Calibri" panose="020F0502020204030204" pitchFamily="34" charset="0"/>
+                          <a:cs typeface="Times New Roman" panose="02020603050405020304" pitchFamily="18" charset="0"/>
                         </a:rPr>
-                        <a:t>4</a:t>
+                        <a:t>Documentation</a:t>
                       </a:r>
-                      <a:endParaRPr lang="de-DE" sz="2400" kern="100">
+                      <a:endParaRPr lang="de-DE" sz="1800" kern="100" dirty="0">
                         <a:effectLst/>
                         <a:latin typeface="Calibri" panose="020F0502020204030204" pitchFamily="34" charset="0"/>
                         <a:ea typeface="Calibri" panose="020F0502020204030204" pitchFamily="34" charset="0"/>
@@ -13501,11 +13508,11 @@
                 </a:tc>
                 <a:extLst>
                   <a:ext uri="{0D108BD9-81ED-4DB2-BD59-A6C34878D82A}">
-                    <a16:rowId xmlns:a16="http://schemas.microsoft.com/office/drawing/2014/main" val="504458741"/>
+                    <a16:rowId xmlns:a16="http://schemas.microsoft.com/office/drawing/2014/main" val="3226308091"/>
                   </a:ext>
                 </a:extLst>
               </a:tr>
-              <a:tr h="0">
+              <a:tr h="195216">
                 <a:tc>
                   <a:txBody>
                     <a:bodyPr/>
@@ -13520,12 +13527,12 @@
                         </a:spcAft>
                       </a:pPr>
                       <a:r>
-                        <a:rPr lang="de-DE" sz="1800" kern="100">
+                        <a:rPr lang="de-DE" sz="1800" kern="100" dirty="0">
                           <a:effectLst/>
                         </a:rPr>
-                        <a:t>11:45 AM</a:t>
+                        <a:t>11:30 AM</a:t>
                       </a:r>
-                      <a:endParaRPr lang="de-DE" sz="2400" kern="100">
+                      <a:endParaRPr lang="de-DE" sz="2400" kern="100" dirty="0">
                         <a:effectLst/>
                         <a:latin typeface="Calibri" panose="020F0502020204030204" pitchFamily="34" charset="0"/>
                         <a:ea typeface="Calibri" panose="020F0502020204030204" pitchFamily="34" charset="0"/>
@@ -13549,12 +13556,42 @@
                         </a:spcAft>
                       </a:pPr>
                       <a:r>
-                        <a:rPr lang="en-US" sz="1800" b="1" kern="100" dirty="0">
+                        <a:rPr lang="de-DE" sz="1800" b="1" kern="100" dirty="0">
                           <a:effectLst/>
+                          <a:latin typeface="Calibri" panose="020F0502020204030204" pitchFamily="34" charset="0"/>
+                          <a:ea typeface="Calibri" panose="020F0502020204030204" pitchFamily="34" charset="0"/>
+                          <a:cs typeface="Times New Roman" panose="02020603050405020304" pitchFamily="18" charset="0"/>
                         </a:rPr>
-                        <a:t>Group Picture</a:t>
+                        <a:t>Plenum: Show </a:t>
                       </a:r>
-                      <a:endParaRPr lang="de-DE" sz="2400" b="1" kern="100" dirty="0">
+                      <a:r>
+                        <a:rPr lang="de-DE" sz="1800" b="1" kern="100" dirty="0" err="1">
+                          <a:effectLst/>
+                          <a:latin typeface="Calibri" panose="020F0502020204030204" pitchFamily="34" charset="0"/>
+                          <a:ea typeface="Calibri" panose="020F0502020204030204" pitchFamily="34" charset="0"/>
+                          <a:cs typeface="Times New Roman" panose="02020603050405020304" pitchFamily="18" charset="0"/>
+                        </a:rPr>
+                        <a:t>your</a:t>
+                      </a:r>
+                      <a:r>
+                        <a:rPr lang="de-DE" sz="1800" b="1" kern="100" dirty="0">
+                          <a:effectLst/>
+                          <a:latin typeface="Calibri" panose="020F0502020204030204" pitchFamily="34" charset="0"/>
+                          <a:ea typeface="Calibri" panose="020F0502020204030204" pitchFamily="34" charset="0"/>
+                          <a:cs typeface="Times New Roman" panose="02020603050405020304" pitchFamily="18" charset="0"/>
+                        </a:rPr>
+                        <a:t> pull </a:t>
+                      </a:r>
+                      <a:r>
+                        <a:rPr lang="de-DE" sz="1800" b="1" kern="100" dirty="0" err="1">
+                          <a:effectLst/>
+                          <a:latin typeface="Calibri" panose="020F0502020204030204" pitchFamily="34" charset="0"/>
+                          <a:ea typeface="Calibri" panose="020F0502020204030204" pitchFamily="34" charset="0"/>
+                          <a:cs typeface="Times New Roman" panose="02020603050405020304" pitchFamily="18" charset="0"/>
+                        </a:rPr>
+                        <a:t>requests</a:t>
+                      </a:r>
+                      <a:endParaRPr lang="de-DE" sz="1800" b="1" kern="100" dirty="0">
                         <a:effectLst/>
                         <a:latin typeface="Calibri" panose="020F0502020204030204" pitchFamily="34" charset="0"/>
                         <a:ea typeface="Calibri" panose="020F0502020204030204" pitchFamily="34" charset="0"/>
@@ -13585,12 +13622,83 @@
                         </a:spcAft>
                       </a:pPr>
                       <a:r>
-                        <a:rPr lang="de-DE" sz="1800" kern="100">
+                        <a:rPr lang="de-DE" sz="1800" kern="100" dirty="0">
+                          <a:effectLst/>
+                          <a:latin typeface="Calibri" panose="020F0502020204030204" pitchFamily="34" charset="0"/>
+                          <a:ea typeface="Calibri" panose="020F0502020204030204" pitchFamily="34" charset="0"/>
+                          <a:cs typeface="Times New Roman" panose="02020603050405020304" pitchFamily="18" charset="0"/>
+                        </a:rPr>
+                        <a:t>12:15 PM</a:t>
+                      </a:r>
+                    </a:p>
+                  </a:txBody>
+                  <a:tcPr marL="68580" marR="68580" marT="0" marB="0"/>
+                </a:tc>
+                <a:tc>
+                  <a:txBody>
+                    <a:bodyPr/>
+                    <a:lstStyle/>
+                    <a:p>
+                      <a:pPr marL="0" marR="0" lvl="0" indent="0" algn="l" defTabSz="914400" rtl="0" eaLnBrk="1" fontAlgn="auto" latinLnBrk="0" hangingPunct="1">
+                        <a:lnSpc>
+                          <a:spcPct val="115000"/>
+                        </a:lnSpc>
+                        <a:spcBef>
+                          <a:spcPts val="0"/>
+                        </a:spcBef>
+                        <a:spcAft>
+                          <a:spcPts val="1000"/>
+                        </a:spcAft>
+                        <a:buClrTx/>
+                        <a:buSzTx/>
+                        <a:buFontTx/>
+                        <a:buNone/>
+                        <a:tabLst/>
+                        <a:defRPr/>
+                      </a:pPr>
+                      <a:r>
+                        <a:rPr lang="en-US" sz="1800" b="1" kern="100" dirty="0">
                           <a:effectLst/>
                         </a:rPr>
-                        <a:t>12:00 PM</a:t>
+                        <a:t>Group Picture</a:t>
                       </a:r>
-                      <a:endParaRPr lang="de-DE" sz="2400" kern="100">
+                      <a:endParaRPr lang="de-DE" sz="2400" b="1" kern="100" dirty="0">
+                        <a:effectLst/>
+                        <a:latin typeface="Calibri" panose="020F0502020204030204" pitchFamily="34" charset="0"/>
+                        <a:ea typeface="Calibri" panose="020F0502020204030204" pitchFamily="34" charset="0"/>
+                        <a:cs typeface="Times New Roman" panose="02020603050405020304" pitchFamily="18" charset="0"/>
+                      </a:endParaRPr>
+                    </a:p>
+                  </a:txBody>
+                  <a:tcPr marL="68580" marR="68580" marT="0" marB="0"/>
+                </a:tc>
+                <a:extLst>
+                  <a:ext uri="{0D108BD9-81ED-4DB2-BD59-A6C34878D82A}">
+                    <a16:rowId xmlns:a16="http://schemas.microsoft.com/office/drawing/2014/main" val="770038647"/>
+                  </a:ext>
+                </a:extLst>
+              </a:tr>
+              <a:tr h="0">
+                <a:tc>
+                  <a:txBody>
+                    <a:bodyPr/>
+                    <a:lstStyle/>
+                    <a:p>
+                      <a:pPr>
+                        <a:lnSpc>
+                          <a:spcPct val="115000"/>
+                        </a:lnSpc>
+                        <a:spcAft>
+                          <a:spcPts val="1000"/>
+                        </a:spcAft>
+                      </a:pPr>
+                      <a:r>
+                        <a:rPr lang="de-DE" sz="1800" kern="100" dirty="0">
+                          <a:effectLst/>
+                        </a:rPr>
+                        <a:t>12:30 PM</a:t>
+                      </a:r>
+                      <a:endParaRPr lang="de-DE" sz="2400" kern="100" dirty="0">
                         <a:effectLst/>
                         <a:latin typeface="Calibri" panose="020F0502020204030204" pitchFamily="34" charset="0"/>
                         <a:ea typeface="Calibri" panose="020F0502020204030204" pitchFamily="34" charset="0"/>
@@ -13614,12 +13722,18 @@
                         </a:spcAft>
                       </a:pPr>
                       <a:r>
-                        <a:rPr lang="en-US" sz="1800" kern="100">
+                        <a:rPr lang="en-US" sz="1800" b="1" kern="100" dirty="0">
                           <a:effectLst/>
                         </a:rPr>
-                        <a:t>Lunch @ BAM Canteen</a:t>
+                        <a:t>Lunch</a:t>
                       </a:r>
-                      <a:endParaRPr lang="de-DE" sz="2400" kern="100">
+                      <a:r>
+                        <a:rPr lang="en-US" sz="1800" kern="100" dirty="0">
+                          <a:effectLst/>
+                        </a:rPr>
+                        <a:t> @ BAM Canteen</a:t>
+                      </a:r>
+                      <a:endParaRPr lang="de-DE" sz="2400" kern="100" dirty="0">
                         <a:effectLst/>
                         <a:latin typeface="Calibri" panose="020F0502020204030204" pitchFamily="34" charset="0"/>
                         <a:ea typeface="Calibri" panose="020F0502020204030204" pitchFamily="34" charset="0"/>
@@ -13650,12 +13764,153 @@
                         </a:spcAft>
                       </a:pPr>
                       <a:r>
-                        <a:rPr lang="de-DE" sz="1800" kern="100">
+                        <a:rPr lang="de-DE" sz="1800" kern="100" dirty="0">
+                          <a:effectLst/>
+                          <a:latin typeface="Calibri" panose="020F0502020204030204" pitchFamily="34" charset="0"/>
+                          <a:ea typeface="Calibri" panose="020F0502020204030204" pitchFamily="34" charset="0"/>
+                          <a:cs typeface="Times New Roman" panose="02020603050405020304" pitchFamily="18" charset="0"/>
+                        </a:rPr>
+                        <a:t>1:40 PM</a:t>
+                      </a:r>
+                    </a:p>
+                  </a:txBody>
+                  <a:tcPr marL="68580" marR="68580" marT="0" marB="0"/>
+                </a:tc>
+                <a:tc>
+                  <a:txBody>
+                    <a:bodyPr/>
+                    <a:lstStyle/>
+                    <a:p>
+                      <a:pPr marL="0" marR="0" lvl="0" indent="0" algn="l" defTabSz="914400" rtl="0" eaLnBrk="1" fontAlgn="auto" latinLnBrk="0" hangingPunct="1">
+                        <a:lnSpc>
+                          <a:spcPct val="115000"/>
+                        </a:lnSpc>
+                        <a:spcBef>
+                          <a:spcPts val="0"/>
+                        </a:spcBef>
+                        <a:spcAft>
+                          <a:spcPts val="1000"/>
+                        </a:spcAft>
+                        <a:buClrTx/>
+                        <a:buSzTx/>
+                        <a:buFontTx/>
+                        <a:buNone/>
+                        <a:tabLst/>
+                        <a:defRPr/>
+                      </a:pPr>
+                      <a:r>
+                        <a:rPr kumimoji="0" lang="de-DE" sz="1800" b="1" i="0" u="none" strike="noStrike" kern="100" cap="none" spc="0" normalizeH="0" baseline="0" noProof="0" dirty="0">
+                          <a:ln>
+                            <a:noFill/>
+                          </a:ln>
+                          <a:solidFill>
+                            <a:prstClr val="black"/>
+                          </a:solidFill>
+                          <a:effectLst/>
+                          <a:uLnTx/>
+                          <a:uFillTx/>
+                          <a:latin typeface="Calibri" panose="020F0502020204030204" pitchFamily="34" charset="0"/>
+                          <a:ea typeface="Calibri" panose="020F0502020204030204" pitchFamily="34" charset="0"/>
+                          <a:cs typeface="Times New Roman" panose="02020603050405020304" pitchFamily="18" charset="0"/>
+                        </a:rPr>
+                        <a:t>Plenum: Show </a:t>
+                      </a:r>
+                      <a:r>
+                        <a:rPr kumimoji="0" lang="de-DE" sz="1800" b="1" i="0" u="none" strike="noStrike" kern="100" cap="none" spc="0" normalizeH="0" baseline="0" noProof="0" dirty="0" err="1">
+                          <a:ln>
+                            <a:noFill/>
+                          </a:ln>
+                          <a:solidFill>
+                            <a:prstClr val="black"/>
+                          </a:solidFill>
+                          <a:effectLst/>
+                          <a:uLnTx/>
+                          <a:uFillTx/>
+                          <a:latin typeface="Calibri" panose="020F0502020204030204" pitchFamily="34" charset="0"/>
+                          <a:ea typeface="Calibri" panose="020F0502020204030204" pitchFamily="34" charset="0"/>
+                          <a:cs typeface="Times New Roman" panose="02020603050405020304" pitchFamily="18" charset="0"/>
+                        </a:rPr>
+                        <a:t>your</a:t>
+                      </a:r>
+                      <a:r>
+                        <a:rPr kumimoji="0" lang="de-DE" sz="1800" b="1" i="0" u="none" strike="noStrike" kern="100" cap="none" spc="0" normalizeH="0" baseline="0" noProof="0" dirty="0">
+                          <a:ln>
+                            <a:noFill/>
+                          </a:ln>
+                          <a:solidFill>
+                            <a:prstClr val="black"/>
+                          </a:solidFill>
+                          <a:effectLst/>
+                          <a:uLnTx/>
+                          <a:uFillTx/>
+                          <a:latin typeface="Calibri" panose="020F0502020204030204" pitchFamily="34" charset="0"/>
+                          <a:ea typeface="Calibri" panose="020F0502020204030204" pitchFamily="34" charset="0"/>
+                          <a:cs typeface="Times New Roman" panose="02020603050405020304" pitchFamily="18" charset="0"/>
+                        </a:rPr>
+                        <a:t> pull </a:t>
+                      </a:r>
+                      <a:r>
+                        <a:rPr kumimoji="0" lang="de-DE" sz="1800" b="1" i="0" u="none" strike="noStrike" kern="100" cap="none" spc="0" normalizeH="0" baseline="0" noProof="0" dirty="0" err="1">
+                          <a:ln>
+                            <a:noFill/>
+                          </a:ln>
+                          <a:solidFill>
+                            <a:prstClr val="black"/>
+                          </a:solidFill>
+                          <a:effectLst/>
+                          <a:uLnTx/>
+                          <a:uFillTx/>
+                          <a:latin typeface="Calibri" panose="020F0502020204030204" pitchFamily="34" charset="0"/>
+                          <a:ea typeface="Calibri" panose="020F0502020204030204" pitchFamily="34" charset="0"/>
+                          <a:cs typeface="Times New Roman" panose="02020603050405020304" pitchFamily="18" charset="0"/>
+                        </a:rPr>
+                        <a:t>requests</a:t>
+                      </a:r>
+                      <a:endParaRPr kumimoji="0" lang="de-DE" sz="1800" b="1" i="0" u="none" strike="noStrike" kern="100" cap="none" spc="0" normalizeH="0" baseline="0" noProof="0" dirty="0">
+                        <a:ln>
+                          <a:noFill/>
+                        </a:ln>
+                        <a:solidFill>
+                          <a:prstClr val="black"/>
+                        </a:solidFill>
+                        <a:effectLst/>
+                        <a:uLnTx/>
+                        <a:uFillTx/>
+                        <a:latin typeface="Calibri" panose="020F0502020204030204" pitchFamily="34" charset="0"/>
+                        <a:ea typeface="Calibri" panose="020F0502020204030204" pitchFamily="34" charset="0"/>
+                        <a:cs typeface="Times New Roman" panose="02020603050405020304" pitchFamily="18" charset="0"/>
+                      </a:endParaRPr>
+                    </a:p>
+                  </a:txBody>
+                  <a:tcPr marL="68580" marR="68580" marT="0" marB="0"/>
+                </a:tc>
+                <a:extLst>
+                  <a:ext uri="{0D108BD9-81ED-4DB2-BD59-A6C34878D82A}">
+                    <a16:rowId xmlns:a16="http://schemas.microsoft.com/office/drawing/2014/main" val="52142006"/>
+                  </a:ext>
+                </a:extLst>
+              </a:tr>
+              <a:tr h="0">
+                <a:tc>
+                  <a:txBody>
+                    <a:bodyPr/>
+                    <a:lstStyle/>
+                    <a:p>
+                      <a:pPr>
+                        <a:lnSpc>
+                          <a:spcPct val="115000"/>
+                        </a:lnSpc>
+                        <a:spcAft>
+                          <a:spcPts val="1000"/>
+                        </a:spcAft>
+                      </a:pPr>
+                      <a:r>
+                        <a:rPr lang="de-DE" sz="1800" kern="100" dirty="0">
                           <a:effectLst/>
                         </a:rPr>
-                        <a:t>1:00 PM</a:t>
+                        <a:t>3:00 PM</a:t>
                       </a:r>
-                      <a:endParaRPr lang="de-DE" sz="2400" kern="100">
+                      <a:endParaRPr lang="de-DE" sz="2400" kern="100" dirty="0">
                         <a:effectLst/>
                         <a:latin typeface="Calibri" panose="020F0502020204030204" pitchFamily="34" charset="0"/>
                         <a:ea typeface="Calibri" panose="020F0502020204030204" pitchFamily="34" charset="0"/>
@@ -13688,9 +13943,15 @@
                         <a:rPr lang="de-DE" sz="1800" kern="100" dirty="0">
                           <a:effectLst/>
                         </a:rPr>
-                        <a:t> Sessions</a:t>
+                        <a:t> </a:t>
                       </a:r>
-                      <a:endParaRPr lang="de-DE" sz="2400" kern="100" dirty="0">
+                      <a:r>
+                        <a:rPr lang="de-DE" sz="1800" b="1" kern="100" dirty="0">
+                          <a:effectLst/>
+                        </a:rPr>
+                        <a:t>Sessions</a:t>
+                      </a:r>
+                      <a:endParaRPr lang="de-DE" sz="2400" b="1" kern="100" dirty="0">
                         <a:effectLst/>
                         <a:latin typeface="Calibri" panose="020F0502020204030204" pitchFamily="34" charset="0"/>
                         <a:ea typeface="Calibri" panose="020F0502020204030204" pitchFamily="34" charset="0"/>
@@ -13721,12 +13982,12 @@
                         </a:spcAft>
                       </a:pPr>
                       <a:r>
-                        <a:rPr lang="de-DE" sz="1800" kern="100">
+                        <a:rPr lang="de-DE" sz="1800" kern="100" dirty="0">
                           <a:effectLst/>
                         </a:rPr>
                         <a:t> </a:t>
                       </a:r>
-                      <a:endParaRPr lang="de-DE" sz="2400" kern="100">
+                      <a:endParaRPr lang="de-DE" sz="2400" kern="100" dirty="0">
                         <a:effectLst/>
                         <a:latin typeface="Calibri" panose="020F0502020204030204" pitchFamily="34" charset="0"/>
                         <a:ea typeface="Calibri" panose="020F0502020204030204" pitchFamily="34" charset="0"/>
@@ -13797,12 +14058,12 @@
                         </a:spcAft>
                       </a:pPr>
                       <a:r>
-                        <a:rPr lang="de-DE" sz="1800" kern="100">
+                        <a:rPr lang="de-DE" sz="1800" kern="100" dirty="0">
                           <a:effectLst/>
                         </a:rPr>
-                        <a:t>3:00 PM</a:t>
+                        <a:t>3:30 PM</a:t>
                       </a:r>
-                      <a:endParaRPr lang="de-DE" sz="2400" kern="100">
+                      <a:endParaRPr lang="de-DE" sz="2400" kern="100" dirty="0">
                         <a:effectLst/>
                         <a:latin typeface="Calibri" panose="020F0502020204030204" pitchFamily="34" charset="0"/>
                         <a:ea typeface="Calibri" panose="020F0502020204030204" pitchFamily="34" charset="0"/>
@@ -13826,12 +14087,12 @@
                         </a:spcAft>
                       </a:pPr>
                       <a:r>
-                        <a:rPr lang="en-US" sz="1800" kern="100">
+                        <a:rPr lang="en-US" sz="1800" kern="100" dirty="0">
                           <a:effectLst/>
                         </a:rPr>
                         <a:t>Coffee Break</a:t>
                       </a:r>
-                      <a:endParaRPr lang="de-DE" sz="2400" kern="100">
+                      <a:endParaRPr lang="de-DE" sz="2400" kern="100" dirty="0">
                         <a:effectLst/>
                         <a:latin typeface="Calibri" panose="020F0502020204030204" pitchFamily="34" charset="0"/>
                         <a:ea typeface="Calibri" panose="020F0502020204030204" pitchFamily="34" charset="0"/>
@@ -13862,12 +14123,12 @@
                         </a:spcAft>
                       </a:pPr>
                       <a:r>
-                        <a:rPr lang="de-DE" sz="1800" kern="100">
+                        <a:rPr lang="de-DE" sz="1800" kern="100" dirty="0">
                           <a:effectLst/>
                         </a:rPr>
-                        <a:t>3:15 PM</a:t>
+                        <a:t>4:00 PM</a:t>
                       </a:r>
-                      <a:endParaRPr lang="de-DE" sz="2400" kern="100">
+                      <a:endParaRPr lang="de-DE" sz="2400" kern="100" dirty="0">
                         <a:effectLst/>
                         <a:latin typeface="Calibri" panose="020F0502020204030204" pitchFamily="34" charset="0"/>
                         <a:ea typeface="Calibri" panose="020F0502020204030204" pitchFamily="34" charset="0"/>
@@ -13927,12 +14188,12 @@
                         </a:spcAft>
                       </a:pPr>
                       <a:r>
-                        <a:rPr lang="de-DE" sz="1800" kern="100">
+                        <a:rPr lang="de-DE" sz="1800" kern="100" dirty="0">
                           <a:effectLst/>
                         </a:rPr>
                         <a:t>4:45 PM</a:t>
                       </a:r>
-                      <a:endParaRPr lang="de-DE" sz="2400" kern="100">
+                      <a:endParaRPr lang="de-DE" sz="2400" kern="100" dirty="0">
                         <a:effectLst/>
                         <a:latin typeface="Calibri" panose="020F0502020204030204" pitchFamily="34" charset="0"/>
                         <a:ea typeface="Calibri" panose="020F0502020204030204" pitchFamily="34" charset="0"/>
@@ -14089,30 +14350,19 @@
                         <a:rPr lang="en-US" sz="1800" kern="100" dirty="0">
                           <a:effectLst/>
                         </a:rPr>
-                        <a:t>Dinner @ restaurant “Asami XI” </a:t>
+                        <a:t>Dinner @ Asami XI, </a:t>
                       </a:r>
                       <a:r>
-                        <a:rPr lang="en-US" sz="1800" kern="100" baseline="30000" dirty="0">
+                        <a:rPr lang="en-US" sz="1800" kern="100" dirty="0" err="1">
                           <a:effectLst/>
                         </a:rPr>
-                        <a:t>†</a:t>
+                        <a:t>Birkbuschstraße</a:t>
                       </a:r>
                       <a:r>
                         <a:rPr lang="en-US" sz="1800" kern="100" dirty="0">
                           <a:effectLst/>
                         </a:rPr>
-                        <a:t> </a:t>
-                      </a:r>
-                      <a:br>
-                        <a:rPr lang="en-US" sz="1800" kern="100" dirty="0">
-                          <a:effectLst/>
-                        </a:rPr>
-                      </a:br>
-                      <a:r>
-                        <a:rPr lang="en-US" sz="1800" kern="100" dirty="0">
-                          <a:effectLst/>
-                        </a:rPr>
-                        <a:t>(at own cost)</a:t>
+                        <a:t> 11, 12167 Berlin</a:t>
                       </a:r>
                       <a:endParaRPr lang="de-DE" sz="2400" kern="100" dirty="0">
                         <a:effectLst/>
@@ -14163,7 +14413,7 @@
         </p:blipFill>
         <p:spPr bwMode="auto">
           <a:xfrm>
-            <a:off x="8389856" y="2282072"/>
+            <a:off x="8389856" y="2919935"/>
             <a:ext cx="720000" cy="720000"/>
           </a:xfrm>
           <a:prstGeom prst="rect">
@@ -14220,7 +14470,7 @@
         </p:blipFill>
         <p:spPr bwMode="auto">
           <a:xfrm>
-            <a:off x="8389856" y="3828144"/>
+            <a:off x="8389856" y="4731504"/>
             <a:ext cx="720000" cy="720000"/>
           </a:xfrm>
           <a:prstGeom prst="rect">
@@ -14277,7 +14527,64 @@
         </p:blipFill>
         <p:spPr bwMode="auto">
           <a:xfrm>
-            <a:off x="8389856" y="4365472"/>
+            <a:off x="8389856" y="5315967"/>
+            <a:ext cx="720000" cy="720000"/>
+          </a:xfrm>
+          <a:prstGeom prst="rect">
+            <a:avLst/>
+          </a:prstGeom>
+          <a:noFill/>
+          <a:extLst>
+            <a:ext uri="{909E8E84-426E-40DD-AFC4-6F175D3DCCD1}">
+              <a14:hiddenFill xmlns:a14="http://schemas.microsoft.com/office/drawing/2010/main">
+                <a:solidFill>
+                  <a:srgbClr val="FFFFFF"/>
+                </a:solidFill>
+              </a14:hiddenFill>
+            </a:ext>
+          </a:extLst>
+        </p:spPr>
+      </p:pic>
+      <p:pic>
+        <p:nvPicPr>
+          <p:cNvPr id="2" name="Picture 6" descr="Coffee icon simple colored flat icon on isolated white background | Premium  Vector">
+            <a:extLst>
+              <a:ext uri="{FF2B5EF4-FFF2-40B4-BE49-F238E27FC236}">
+                <a16:creationId xmlns:a16="http://schemas.microsoft.com/office/drawing/2014/main" id="{107BDD36-C880-1AD6-1E95-3752E7EF5654}"/>
+              </a:ext>
+            </a:extLst>
+          </p:cNvPr>
+          <p:cNvPicPr>
+            <a:picLocks noChangeAspect="1" noChangeArrowheads="1"/>
+          </p:cNvPicPr>
+          <p:nvPr/>
+        </p:nvPicPr>
+        <p:blipFill>
+          <a:blip r:embed="rId6">
+            <a:clrChange>
+              <a:clrFrom>
+                <a:srgbClr val="FFFFFF"/>
+              </a:clrFrom>
+              <a:clrTo>
+                <a:srgbClr val="FFFFFF">
+                  <a:alpha val="0"/>
+                </a:srgbClr>
+              </a:clrTo>
+            </a:clrChange>
+            <a:extLst>
+              <a:ext uri="{28A0092B-C50C-407E-A947-70E740481C1C}">
+                <a14:useLocalDpi xmlns:a14="http://schemas.microsoft.com/office/drawing/2010/main" val="0"/>
+              </a:ext>
+            </a:extLst>
+          </a:blip>
+          <a:srcRect/>
+          <a:stretch>
+            <a:fillRect/>
+          </a:stretch>
+        </p:blipFill>
+        <p:spPr bwMode="auto">
+          <a:xfrm>
+            <a:off x="8389856" y="837145"/>
             <a:ext cx="720000" cy="720000"/>
           </a:xfrm>
           <a:prstGeom prst="rect">
@@ -14814,7 +15121,7 @@
         </p:blipFill>
         <p:spPr>
           <a:xfrm>
-            <a:off x="2926368" y="3546327"/>
+            <a:off x="2926368" y="3782001"/>
             <a:ext cx="2700000" cy="2700000"/>
           </a:xfrm>
           <a:prstGeom prst="rect">
@@ -14844,7 +15151,7 @@
         </p:blipFill>
         <p:spPr>
           <a:xfrm>
-            <a:off x="7295713" y="3546327"/>
+            <a:off x="7295713" y="3782001"/>
             <a:ext cx="2700000" cy="2700000"/>
           </a:xfrm>
           <a:prstGeom prst="rect">
@@ -14866,7 +15173,7 @@
         </p:nvSpPr>
         <p:spPr>
           <a:xfrm rot="16200000">
-            <a:off x="2106085" y="4665494"/>
+            <a:off x="2106085" y="4901168"/>
             <a:ext cx="1640568" cy="461665"/>
           </a:xfrm>
           <a:prstGeom prst="rect">
@@ -14902,7 +15209,7 @@
         </p:nvSpPr>
         <p:spPr>
           <a:xfrm rot="16200000">
-            <a:off x="6386393" y="4576459"/>
+            <a:off x="6386393" y="4812133"/>
             <a:ext cx="1818641" cy="461665"/>
           </a:xfrm>
           <a:prstGeom prst="rect">
@@ -14937,7 +15244,7 @@
         </p:nvSpPr>
         <p:spPr>
           <a:xfrm>
-            <a:off x="493384" y="3902666"/>
+            <a:off x="493384" y="4138340"/>
             <a:ext cx="1527278" cy="707886"/>
           </a:xfrm>
           <a:prstGeom prst="rect">
@@ -14989,14 +15296,14 @@
           <p:nvPr>
             <p:extLst>
               <p:ext uri="{D42A27DB-BD31-4B8C-83A1-F6EECF244321}">
-                <p14:modId xmlns:p14="http://schemas.microsoft.com/office/powerpoint/2010/main" val="3017168344"/>
+                <p14:modId xmlns:p14="http://schemas.microsoft.com/office/powerpoint/2010/main" val="3023243838"/>
               </p:ext>
             </p:extLst>
           </p:nvPr>
         </p:nvGraphicFramePr>
         <p:xfrm>
           <a:off x="1758753" y="1016508"/>
-          <a:ext cx="7506879" cy="2412492"/>
+          <a:ext cx="7506879" cy="2727960"/>
         </p:xfrm>
         <a:graphic>
           <a:graphicData uri="http://schemas.openxmlformats.org/drawingml/2006/table">
@@ -15100,12 +15407,12 @@
                         </a:spcAft>
                       </a:pPr>
                       <a:r>
-                        <a:rPr lang="de-DE" sz="1800" kern="100">
+                        <a:rPr lang="de-DE" sz="1800" kern="100" dirty="0">
                           <a:effectLst/>
                         </a:rPr>
-                        <a:t> </a:t>
+                        <a:t> Plenum</a:t>
                       </a:r>
-                      <a:endParaRPr lang="de-DE" sz="2400" kern="100">
+                      <a:endParaRPr lang="de-DE" sz="2400" kern="100" dirty="0">
                         <a:effectLst/>
                         <a:latin typeface="Calibri" panose="020F0502020204030204" pitchFamily="34" charset="0"/>
                         <a:ea typeface="Calibri" panose="020F0502020204030204" pitchFamily="34" charset="0"/>
@@ -15129,12 +15436,15 @@
                         </a:spcAft>
                       </a:pPr>
                       <a:r>
-                        <a:rPr lang="de-DE" sz="1800" kern="100">
+                        <a:rPr lang="de-DE" sz="1800" kern="100" dirty="0">
                           <a:effectLst/>
+                          <a:latin typeface="Calibri" panose="020F0502020204030204" pitchFamily="34" charset="0"/>
+                          <a:ea typeface="Calibri" panose="020F0502020204030204" pitchFamily="34" charset="0"/>
+                          <a:cs typeface="Times New Roman" panose="02020603050405020304" pitchFamily="18" charset="0"/>
                         </a:rPr>
-                        <a:t>Paper Planning</a:t>
+                        <a:t>Expert Round</a:t>
                       </a:r>
-                      <a:endParaRPr lang="de-DE" sz="2400" kern="100">
+                      <a:endParaRPr lang="de-DE" sz="2400" kern="100" dirty="0">
                         <a:effectLst/>
                         <a:latin typeface="Calibri" panose="020F0502020204030204" pitchFamily="34" charset="0"/>
                         <a:ea typeface="Calibri" panose="020F0502020204030204" pitchFamily="34" charset="0"/>
@@ -15197,7 +15507,25 @@
                         <a:rPr lang="en-US" sz="1800" kern="100" dirty="0">
                           <a:effectLst/>
                         </a:rPr>
-                        <a:t>What’s Next? </a:t>
+                        <a:t>What’s Next?</a:t>
+                      </a:r>
+                      <a:br>
+                        <a:rPr lang="en-US" sz="1800" kern="100" dirty="0">
+                          <a:effectLst/>
+                        </a:rPr>
+                      </a:br>
+                      <a:r>
+                        <a:rPr lang="en-US" sz="1800" kern="100" dirty="0">
+                          <a:effectLst/>
+                          <a:sym typeface="Wingdings" panose="05000000000000000000" pitchFamily="2" charset="2"/>
+                        </a:rPr>
+                        <a:t> Paper?</a:t>
+                      </a:r>
+                      <a:r>
+                        <a:rPr lang="en-US" sz="1800" kern="100" dirty="0">
+                          <a:effectLst/>
+                        </a:rPr>
+                        <a:t> </a:t>
                       </a:r>
                       <a:br>
                         <a:rPr lang="en-US" sz="1800" kern="100" dirty="0">

--- a/PMD_Hackathon_3_BAM_Berlin.pptx
+++ b/PMD_Hackathon_3_BAM_Berlin.pptx
@@ -207,7 +207,7 @@
           <a:p>
             <a:fld id="{FE6807D8-67B7-4094-9F0F-6D6F89E7A7CA}" type="datetimeFigureOut">
               <a:rPr lang="de-DE" smtClean="0"/>
-              <a:t>14.10.2025</a:t>
+              <a:t>16.10.2025</a:t>
             </a:fld>
             <a:endParaRPr lang="de-DE"/>
           </a:p>
@@ -14632,6 +14632,36 @@
           <a:chExt cx="0" cy="0"/>
         </a:xfrm>
       </p:grpSpPr>
+      <p:pic>
+        <p:nvPicPr>
+          <p:cNvPr id="6" name="Grafik 5">
+            <a:extLst>
+              <a:ext uri="{FF2B5EF4-FFF2-40B4-BE49-F238E27FC236}">
+                <a16:creationId xmlns:a16="http://schemas.microsoft.com/office/drawing/2014/main" id="{5F29A7A4-5C34-656A-5CB7-C73712C38177}"/>
+              </a:ext>
+            </a:extLst>
+          </p:cNvPr>
+          <p:cNvPicPr>
+            <a:picLocks noChangeAspect="1"/>
+          </p:cNvPicPr>
+          <p:nvPr/>
+        </p:nvPicPr>
+        <p:blipFill>
+          <a:blip r:embed="rId3"/>
+          <a:stretch>
+            <a:fillRect/>
+          </a:stretch>
+        </p:blipFill>
+        <p:spPr>
+          <a:xfrm>
+            <a:off x="2926369" y="3464612"/>
+            <a:ext cx="2700000" cy="2700000"/>
+          </a:xfrm>
+          <a:prstGeom prst="rect">
+            <a:avLst/>
+          </a:prstGeom>
+        </p:spPr>
+      </p:pic>
       <p:sp>
         <p:nvSpPr>
           <p:cNvPr id="10" name="Titel 9">
@@ -14673,7 +14703,7 @@
       <p:pic>
         <p:nvPicPr>
           <p:cNvPr id="4" name="Grafik 3">
-            <a:hlinkClick r:id="rId3"/>
+            <a:hlinkClick r:id="rId4"/>
             <a:extLst>
               <a:ext uri="{FF2B5EF4-FFF2-40B4-BE49-F238E27FC236}">
                 <a16:creationId xmlns:a16="http://schemas.microsoft.com/office/drawing/2014/main" id="{95875D8E-183E-3358-0BDC-51AA8ABABD06}"/>
@@ -14686,7 +14716,7 @@
           <p:nvPr/>
         </p:nvPicPr>
         <p:blipFill>
-          <a:blip r:embed="rId4">
+          <a:blip r:embed="rId5">
             <a:clrChange>
               <a:clrFrom>
                 <a:srgbClr val="FFFFFF"/>
@@ -15101,36 +15131,6 @@
       </p:sp>
       <p:pic>
         <p:nvPicPr>
-          <p:cNvPr id="9" name="Grafik 8">
-            <a:extLst>
-              <a:ext uri="{FF2B5EF4-FFF2-40B4-BE49-F238E27FC236}">
-                <a16:creationId xmlns:a16="http://schemas.microsoft.com/office/drawing/2014/main" id="{468E55E2-4109-2BFD-6C27-79C0AC6E1A53}"/>
-              </a:ext>
-            </a:extLst>
-          </p:cNvPr>
-          <p:cNvPicPr>
-            <a:picLocks noChangeAspect="1"/>
-          </p:cNvPicPr>
-          <p:nvPr/>
-        </p:nvPicPr>
-        <p:blipFill>
-          <a:blip r:embed="rId5"/>
-          <a:stretch>
-            <a:fillRect/>
-          </a:stretch>
-        </p:blipFill>
-        <p:spPr>
-          <a:xfrm>
-            <a:off x="2926368" y="3782001"/>
-            <a:ext cx="2700000" cy="2700000"/>
-          </a:xfrm>
-          <a:prstGeom prst="rect">
-            <a:avLst/>
-          </a:prstGeom>
-        </p:spPr>
-      </p:pic>
-      <p:pic>
-        <p:nvPicPr>
           <p:cNvPr id="11" name="Grafik 10">
             <a:extLst>
               <a:ext uri="{FF2B5EF4-FFF2-40B4-BE49-F238E27FC236}">
@@ -15151,7 +15151,7 @@
         </p:blipFill>
         <p:spPr>
           <a:xfrm>
-            <a:off x="7295713" y="3782001"/>
+            <a:off x="7295713" y="3461489"/>
             <a:ext cx="2700000" cy="2700000"/>
           </a:xfrm>
           <a:prstGeom prst="rect">
@@ -15173,7 +15173,7 @@
         </p:nvSpPr>
         <p:spPr>
           <a:xfrm rot="16200000">
-            <a:off x="2106085" y="4901168"/>
+            <a:off x="2106085" y="4580656"/>
             <a:ext cx="1640568" cy="461665"/>
           </a:xfrm>
           <a:prstGeom prst="rect">
@@ -15209,7 +15209,7 @@
         </p:nvSpPr>
         <p:spPr>
           <a:xfrm rot="16200000">
-            <a:off x="6386393" y="4812133"/>
+            <a:off x="6386393" y="4491621"/>
             <a:ext cx="1818641" cy="461665"/>
           </a:xfrm>
           <a:prstGeom prst="rect">
@@ -15244,7 +15244,7 @@
         </p:nvSpPr>
         <p:spPr>
           <a:xfrm>
-            <a:off x="493384" y="4138340"/>
+            <a:off x="493384" y="3817828"/>
             <a:ext cx="1527278" cy="707886"/>
           </a:xfrm>
           <a:prstGeom prst="rect">
@@ -15296,14 +15296,14 @@
           <p:nvPr>
             <p:extLst>
               <p:ext uri="{D42A27DB-BD31-4B8C-83A1-F6EECF244321}">
-                <p14:modId xmlns:p14="http://schemas.microsoft.com/office/powerpoint/2010/main" val="3023243838"/>
+                <p14:modId xmlns:p14="http://schemas.microsoft.com/office/powerpoint/2010/main" val="2579798914"/>
               </p:ext>
             </p:extLst>
           </p:nvPr>
         </p:nvGraphicFramePr>
         <p:xfrm>
           <a:off x="1758753" y="1016508"/>
-          <a:ext cx="7506879" cy="2727960"/>
+          <a:ext cx="7506879" cy="2196021"/>
         </p:xfrm>
         <a:graphic>
           <a:graphicData uri="http://schemas.openxmlformats.org/drawingml/2006/table">
@@ -15442,7 +15442,52 @@
                           <a:ea typeface="Calibri" panose="020F0502020204030204" pitchFamily="34" charset="0"/>
                           <a:cs typeface="Times New Roman" panose="02020603050405020304" pitchFamily="18" charset="0"/>
                         </a:rPr>
-                        <a:t>Expert Round</a:t>
+                        <a:t>Expert Round | Fixation </a:t>
+                      </a:r>
+                      <a:r>
+                        <a:rPr lang="de-DE" sz="1800" kern="100" dirty="0" err="1">
+                          <a:effectLst/>
+                          <a:latin typeface="Calibri" panose="020F0502020204030204" pitchFamily="34" charset="0"/>
+                          <a:ea typeface="Calibri" panose="020F0502020204030204" pitchFamily="34" charset="0"/>
+                          <a:cs typeface="Times New Roman" panose="02020603050405020304" pitchFamily="18" charset="0"/>
+                        </a:rPr>
+                        <a:t>of</a:t>
+                      </a:r>
+                      <a:r>
+                        <a:rPr lang="de-DE" sz="1800" kern="100" dirty="0">
+                          <a:effectLst/>
+                          <a:latin typeface="Calibri" panose="020F0502020204030204" pitchFamily="34" charset="0"/>
+                          <a:ea typeface="Calibri" panose="020F0502020204030204" pitchFamily="34" charset="0"/>
+                          <a:cs typeface="Times New Roman" panose="02020603050405020304" pitchFamily="18" charset="0"/>
+                        </a:rPr>
+                        <a:t> </a:t>
+                      </a:r>
+                      <a:r>
+                        <a:rPr lang="de-DE" sz="1800" kern="100" dirty="0" err="1">
+                          <a:effectLst/>
+                          <a:latin typeface="Calibri" panose="020F0502020204030204" pitchFamily="34" charset="0"/>
+                          <a:ea typeface="Calibri" panose="020F0502020204030204" pitchFamily="34" charset="0"/>
+                          <a:cs typeface="Times New Roman" panose="02020603050405020304" pitchFamily="18" charset="0"/>
+                        </a:rPr>
+                        <a:t>results</a:t>
+                      </a:r>
+                      <a:r>
+                        <a:rPr lang="de-DE" sz="1800" kern="100" dirty="0">
+                          <a:effectLst/>
+                          <a:latin typeface="Calibri" panose="020F0502020204030204" pitchFamily="34" charset="0"/>
+                          <a:ea typeface="Calibri" panose="020F0502020204030204" pitchFamily="34" charset="0"/>
+                          <a:cs typeface="Times New Roman" panose="02020603050405020304" pitchFamily="18" charset="0"/>
+                        </a:rPr>
+                        <a:t> | </a:t>
+                      </a:r>
+                      <a:r>
+                        <a:rPr lang="de-DE" sz="1800" kern="100" dirty="0" err="1">
+                          <a:effectLst/>
+                          <a:latin typeface="Calibri" panose="020F0502020204030204" pitchFamily="34" charset="0"/>
+                          <a:ea typeface="Calibri" panose="020F0502020204030204" pitchFamily="34" charset="0"/>
+                          <a:cs typeface="Times New Roman" panose="02020603050405020304" pitchFamily="18" charset="0"/>
+                        </a:rPr>
+                        <a:t>Deliverables</a:t>
                       </a:r>
                       <a:endParaRPr lang="de-DE" sz="2400" kern="100" dirty="0">
                         <a:effectLst/>
@@ -15517,37 +15562,8 @@
                       <a:r>
                         <a:rPr lang="en-US" sz="1800" kern="100" dirty="0">
                           <a:effectLst/>
-                          <a:sym typeface="Wingdings" panose="05000000000000000000" pitchFamily="2" charset="2"/>
-                        </a:rPr>
-                        <a:t> Paper?</a:t>
-                      </a:r>
-                      <a:r>
-                        <a:rPr lang="en-US" sz="1800" kern="100" dirty="0">
-                          <a:effectLst/>
-                        </a:rPr>
-                        <a:t> </a:t>
-                      </a:r>
-                      <a:br>
-                        <a:rPr lang="en-US" sz="1800" kern="100" dirty="0">
-                          <a:effectLst/>
-                        </a:rPr>
-                      </a:br>
-                      <a:r>
-                        <a:rPr lang="en-US" sz="1800" kern="100" dirty="0">
-                          <a:effectLst/>
                         </a:rPr>
                         <a:t>→ Long-Term Strategy</a:t>
-                      </a:r>
-                      <a:br>
-                        <a:rPr lang="en-US" sz="1800" kern="100" dirty="0">
-                          <a:effectLst/>
-                        </a:rPr>
-                      </a:br>
-                      <a:r>
-                        <a:rPr lang="en-US" sz="1800" kern="100" dirty="0">
-                          <a:effectLst/>
-                        </a:rPr>
-                        <a:t>→ Set up future (online) meetings</a:t>
                       </a:r>
                       <a:endParaRPr lang="de-DE" sz="2400" kern="100" dirty="0">
                         <a:effectLst/>
@@ -15579,13 +15595,7 @@
                           <a:spcPts val="1000"/>
                         </a:spcAft>
                       </a:pPr>
-                      <a:r>
-                        <a:rPr lang="de-DE" sz="1800" kern="100">
-                          <a:effectLst/>
-                        </a:rPr>
-                        <a:t>11:00 AM</a:t>
-                      </a:r>
-                      <a:endParaRPr lang="de-DE" sz="2400" kern="100">
+                      <a:endParaRPr lang="de-DE" sz="2400" kern="100" dirty="0">
                         <a:effectLst/>
                         <a:latin typeface="Calibri" panose="020F0502020204030204" pitchFamily="34" charset="0"/>
                         <a:ea typeface="Calibri" panose="020F0502020204030204" pitchFamily="34" charset="0"/>
@@ -15609,12 +15619,12 @@
                         </a:spcAft>
                       </a:pPr>
                       <a:r>
-                        <a:rPr lang="en-US" sz="1800" kern="100">
+                        <a:rPr lang="en-US" sz="1800" kern="100" dirty="0">
                           <a:effectLst/>
                         </a:rPr>
                         <a:t>Coffee Break</a:t>
                       </a:r>
-                      <a:endParaRPr lang="de-DE" sz="2400" kern="100">
+                      <a:endParaRPr lang="de-DE" sz="2400" kern="100" dirty="0">
                         <a:effectLst/>
                         <a:latin typeface="Calibri" panose="020F0502020204030204" pitchFamily="34" charset="0"/>
                         <a:ea typeface="Calibri" panose="020F0502020204030204" pitchFamily="34" charset="0"/>
@@ -15815,7 +15825,7 @@
         </p:blipFill>
         <p:spPr bwMode="auto">
           <a:xfrm>
-            <a:off x="8154186" y="2310429"/>
+            <a:off x="8116478" y="2004400"/>
             <a:ext cx="720000" cy="720000"/>
           </a:xfrm>
           <a:prstGeom prst="rect">
@@ -15833,6 +15843,76 @@
           </a:extLst>
         </p:spPr>
       </p:pic>
+      <p:sp>
+        <p:nvSpPr>
+          <p:cNvPr id="3" name="Textfeld 2">
+            <a:extLst>
+              <a:ext uri="{FF2B5EF4-FFF2-40B4-BE49-F238E27FC236}">
+                <a16:creationId xmlns:a16="http://schemas.microsoft.com/office/drawing/2014/main" id="{4953E180-4D41-18FE-DFCB-2D756DD86709}"/>
+              </a:ext>
+            </a:extLst>
+          </p:cNvPr>
+          <p:cNvSpPr txBox="1"/>
+          <p:nvPr/>
+        </p:nvSpPr>
+        <p:spPr>
+          <a:xfrm>
+            <a:off x="997990" y="5910288"/>
+            <a:ext cx="5325281" cy="338554"/>
+          </a:xfrm>
+          <a:prstGeom prst="rect">
+            <a:avLst/>
+          </a:prstGeom>
+          <a:noFill/>
+        </p:spPr>
+        <p:txBody>
+          <a:bodyPr wrap="square">
+            <a:spAutoFit/>
+          </a:bodyPr>
+          <a:lstStyle/>
+          <a:p>
+            <a:r>
+              <a:rPr lang="de-DE" sz="1600" dirty="0"/>
+              <a:t>https://hackmd.io/@nd_ksvfTTISd9bwYNERWLw/BJFXq_5Tlx</a:t>
+            </a:r>
+          </a:p>
+        </p:txBody>
+      </p:sp>
+      <p:sp>
+        <p:nvSpPr>
+          <p:cNvPr id="18" name="Textfeld 17">
+            <a:extLst>
+              <a:ext uri="{FF2B5EF4-FFF2-40B4-BE49-F238E27FC236}">
+                <a16:creationId xmlns:a16="http://schemas.microsoft.com/office/drawing/2014/main" id="{86F6AE75-6AB9-B8B9-F4DF-3EB432B12324}"/>
+              </a:ext>
+            </a:extLst>
+          </p:cNvPr>
+          <p:cNvSpPr txBox="1"/>
+          <p:nvPr/>
+        </p:nvSpPr>
+        <p:spPr>
+          <a:xfrm>
+            <a:off x="6565633" y="5910288"/>
+            <a:ext cx="6094428" cy="338554"/>
+          </a:xfrm>
+          <a:prstGeom prst="rect">
+            <a:avLst/>
+          </a:prstGeom>
+          <a:noFill/>
+        </p:spPr>
+        <p:txBody>
+          <a:bodyPr wrap="square">
+            <a:spAutoFit/>
+          </a:bodyPr>
+          <a:lstStyle/>
+          <a:p>
+            <a:r>
+              <a:rPr lang="de-DE" sz="1600" dirty="0"/>
+              <a:t>https://github.com/materialdigital/ontology-hackathon-3</a:t>
+            </a:r>
+          </a:p>
+        </p:txBody>
+      </p:sp>
     </p:spTree>
     <p:extLst>
       <p:ext uri="{BB962C8B-B14F-4D97-AF65-F5344CB8AC3E}">
